--- a/Poodle Presentation.pptx
+++ b/Poodle Presentation.pptx
@@ -175,7 +175,7 @@
             </a:lvl1pPr>
           </a:lstStyle>
           <a:p>
-            <a:endParaRPr lang="en-US"/>
+            <a:endParaRPr lang="en-US" dirty="0"/>
           </a:p>
         </p:txBody>
       </p:sp>
@@ -210,7 +210,7 @@
               <a:rPr lang="en-US" smtClean="0"/>
               <a:t>4/19/2018</a:t>
             </a:fld>
-            <a:endParaRPr lang="en-US"/>
+            <a:endParaRPr lang="en-US" dirty="0"/>
           </a:p>
         </p:txBody>
       </p:sp>
@@ -243,7 +243,7 @@
           <a:bodyPr vert="horz" lIns="91440" tIns="45720" rIns="91440" bIns="45720" rtlCol="0" anchor="ctr"/>
           <a:lstStyle/>
           <a:p>
-            <a:endParaRPr lang="en-US"/>
+            <a:endParaRPr lang="en-US" dirty="0"/>
           </a:p>
         </p:txBody>
       </p:sp>
@@ -333,7 +333,7 @@
             </a:lvl1pPr>
           </a:lstStyle>
           <a:p>
-            <a:endParaRPr lang="en-US"/>
+            <a:endParaRPr lang="en-US" dirty="0"/>
           </a:p>
         </p:txBody>
       </p:sp>
@@ -368,7 +368,7 @@
               <a:rPr lang="en-US" smtClean="0"/>
               <a:t>‹#›</a:t>
             </a:fld>
-            <a:endParaRPr lang="en-US"/>
+            <a:endParaRPr lang="en-US" dirty="0"/>
           </a:p>
         </p:txBody>
       </p:sp>
@@ -624,7 +624,7 @@
               <a:rPr lang="en-US" smtClean="0"/>
               <a:t>4/19/2018</a:t>
             </a:fld>
-            <a:endParaRPr lang="en-US"/>
+            <a:endParaRPr lang="en-US" dirty="0"/>
           </a:p>
         </p:txBody>
       </p:sp>
@@ -649,7 +649,7 @@
           <a:bodyPr/>
           <a:lstStyle/>
           <a:p>
-            <a:endParaRPr lang="en-US"/>
+            <a:endParaRPr lang="en-US" dirty="0"/>
           </a:p>
         </p:txBody>
       </p:sp>
@@ -678,7 +678,7 @@
               <a:rPr lang="en-US" smtClean="0"/>
               <a:t>‹#›</a:t>
             </a:fld>
-            <a:endParaRPr lang="en-US"/>
+            <a:endParaRPr lang="en-US" dirty="0"/>
           </a:p>
         </p:txBody>
       </p:sp>
@@ -822,7 +822,7 @@
               <a:rPr lang="en-US" smtClean="0"/>
               <a:t>4/19/2018</a:t>
             </a:fld>
-            <a:endParaRPr lang="en-US"/>
+            <a:endParaRPr lang="en-US" dirty="0"/>
           </a:p>
         </p:txBody>
       </p:sp>
@@ -847,7 +847,7 @@
           <a:bodyPr/>
           <a:lstStyle/>
           <a:p>
-            <a:endParaRPr lang="en-US"/>
+            <a:endParaRPr lang="en-US" dirty="0"/>
           </a:p>
         </p:txBody>
       </p:sp>
@@ -876,7 +876,7 @@
               <a:rPr lang="en-US" smtClean="0"/>
               <a:t>‹#›</a:t>
             </a:fld>
-            <a:endParaRPr lang="en-US"/>
+            <a:endParaRPr lang="en-US" dirty="0"/>
           </a:p>
         </p:txBody>
       </p:sp>
@@ -1030,7 +1030,7 @@
               <a:rPr lang="en-US" smtClean="0"/>
               <a:t>4/19/2018</a:t>
             </a:fld>
-            <a:endParaRPr lang="en-US"/>
+            <a:endParaRPr lang="en-US" dirty="0"/>
           </a:p>
         </p:txBody>
       </p:sp>
@@ -1055,7 +1055,7 @@
           <a:bodyPr/>
           <a:lstStyle/>
           <a:p>
-            <a:endParaRPr lang="en-US"/>
+            <a:endParaRPr lang="en-US" dirty="0"/>
           </a:p>
         </p:txBody>
       </p:sp>
@@ -1084,7 +1084,7 @@
               <a:rPr lang="en-US" smtClean="0"/>
               <a:t>‹#›</a:t>
             </a:fld>
-            <a:endParaRPr lang="en-US"/>
+            <a:endParaRPr lang="en-US" dirty="0"/>
           </a:p>
         </p:txBody>
       </p:sp>
@@ -1228,7 +1228,7 @@
               <a:rPr lang="en-US" smtClean="0"/>
               <a:t>4/19/2018</a:t>
             </a:fld>
-            <a:endParaRPr lang="en-US"/>
+            <a:endParaRPr lang="en-US" dirty="0"/>
           </a:p>
         </p:txBody>
       </p:sp>
@@ -1253,7 +1253,7 @@
           <a:bodyPr/>
           <a:lstStyle/>
           <a:p>
-            <a:endParaRPr lang="en-US"/>
+            <a:endParaRPr lang="en-US" dirty="0"/>
           </a:p>
         </p:txBody>
       </p:sp>
@@ -1282,7 +1282,7 @@
               <a:rPr lang="en-US" smtClean="0"/>
               <a:t>‹#›</a:t>
             </a:fld>
-            <a:endParaRPr lang="en-US"/>
+            <a:endParaRPr lang="en-US" dirty="0"/>
           </a:p>
         </p:txBody>
       </p:sp>
@@ -1503,7 +1503,7 @@
               <a:rPr lang="en-US" smtClean="0"/>
               <a:t>4/19/2018</a:t>
             </a:fld>
-            <a:endParaRPr lang="en-US"/>
+            <a:endParaRPr lang="en-US" dirty="0"/>
           </a:p>
         </p:txBody>
       </p:sp>
@@ -1528,7 +1528,7 @@
           <a:bodyPr/>
           <a:lstStyle/>
           <a:p>
-            <a:endParaRPr lang="en-US"/>
+            <a:endParaRPr lang="en-US" dirty="0"/>
           </a:p>
         </p:txBody>
       </p:sp>
@@ -1557,7 +1557,7 @@
               <a:rPr lang="en-US" smtClean="0"/>
               <a:t>‹#›</a:t>
             </a:fld>
-            <a:endParaRPr lang="en-US"/>
+            <a:endParaRPr lang="en-US" dirty="0"/>
           </a:p>
         </p:txBody>
       </p:sp>
@@ -1768,7 +1768,7 @@
               <a:rPr lang="en-US" smtClean="0"/>
               <a:t>4/19/2018</a:t>
             </a:fld>
-            <a:endParaRPr lang="en-US"/>
+            <a:endParaRPr lang="en-US" dirty="0"/>
           </a:p>
         </p:txBody>
       </p:sp>
@@ -1793,7 +1793,7 @@
           <a:bodyPr/>
           <a:lstStyle/>
           <a:p>
-            <a:endParaRPr lang="en-US"/>
+            <a:endParaRPr lang="en-US" dirty="0"/>
           </a:p>
         </p:txBody>
       </p:sp>
@@ -1822,7 +1822,7 @@
               <a:rPr lang="en-US" smtClean="0"/>
               <a:t>‹#›</a:t>
             </a:fld>
-            <a:endParaRPr lang="en-US"/>
+            <a:endParaRPr lang="en-US" dirty="0"/>
           </a:p>
         </p:txBody>
       </p:sp>
@@ -2180,7 +2180,7 @@
               <a:rPr lang="en-US" smtClean="0"/>
               <a:t>4/19/2018</a:t>
             </a:fld>
-            <a:endParaRPr lang="en-US"/>
+            <a:endParaRPr lang="en-US" dirty="0"/>
           </a:p>
         </p:txBody>
       </p:sp>
@@ -2205,7 +2205,7 @@
           <a:bodyPr/>
           <a:lstStyle/>
           <a:p>
-            <a:endParaRPr lang="en-US"/>
+            <a:endParaRPr lang="en-US" dirty="0"/>
           </a:p>
         </p:txBody>
       </p:sp>
@@ -2234,7 +2234,7 @@
               <a:rPr lang="en-US" smtClean="0"/>
               <a:t>‹#›</a:t>
             </a:fld>
-            <a:endParaRPr lang="en-US"/>
+            <a:endParaRPr lang="en-US" dirty="0"/>
           </a:p>
         </p:txBody>
       </p:sp>
@@ -2321,7 +2321,7 @@
               <a:rPr lang="en-US" smtClean="0"/>
               <a:t>4/19/2018</a:t>
             </a:fld>
-            <a:endParaRPr lang="en-US"/>
+            <a:endParaRPr lang="en-US" dirty="0"/>
           </a:p>
         </p:txBody>
       </p:sp>
@@ -2346,7 +2346,7 @@
           <a:bodyPr/>
           <a:lstStyle/>
           <a:p>
-            <a:endParaRPr lang="en-US"/>
+            <a:endParaRPr lang="en-US" dirty="0"/>
           </a:p>
         </p:txBody>
       </p:sp>
@@ -2375,7 +2375,7 @@
               <a:rPr lang="en-US" smtClean="0"/>
               <a:t>‹#›</a:t>
             </a:fld>
-            <a:endParaRPr lang="en-US"/>
+            <a:endParaRPr lang="en-US" dirty="0"/>
           </a:p>
         </p:txBody>
       </p:sp>
@@ -2434,7 +2434,7 @@
               <a:rPr lang="en-US" smtClean="0"/>
               <a:t>4/19/2018</a:t>
             </a:fld>
-            <a:endParaRPr lang="en-US"/>
+            <a:endParaRPr lang="en-US" dirty="0"/>
           </a:p>
         </p:txBody>
       </p:sp>
@@ -2459,7 +2459,7 @@
           <a:bodyPr/>
           <a:lstStyle/>
           <a:p>
-            <a:endParaRPr lang="en-US"/>
+            <a:endParaRPr lang="en-US" dirty="0"/>
           </a:p>
         </p:txBody>
       </p:sp>
@@ -2488,7 +2488,7 @@
               <a:rPr lang="en-US" smtClean="0"/>
               <a:t>‹#›</a:t>
             </a:fld>
-            <a:endParaRPr lang="en-US"/>
+            <a:endParaRPr lang="en-US" dirty="0"/>
           </a:p>
         </p:txBody>
       </p:sp>
@@ -2745,7 +2745,7 @@
               <a:rPr lang="en-US" smtClean="0"/>
               <a:t>4/19/2018</a:t>
             </a:fld>
-            <a:endParaRPr lang="en-US"/>
+            <a:endParaRPr lang="en-US" dirty="0"/>
           </a:p>
         </p:txBody>
       </p:sp>
@@ -2770,7 +2770,7 @@
           <a:bodyPr/>
           <a:lstStyle/>
           <a:p>
-            <a:endParaRPr lang="en-US"/>
+            <a:endParaRPr lang="en-US" dirty="0"/>
           </a:p>
         </p:txBody>
       </p:sp>
@@ -2799,7 +2799,7 @@
               <a:rPr lang="en-US" smtClean="0"/>
               <a:t>‹#›</a:t>
             </a:fld>
-            <a:endParaRPr lang="en-US"/>
+            <a:endParaRPr lang="en-US" dirty="0"/>
           </a:p>
         </p:txBody>
       </p:sp>
@@ -2933,7 +2933,7 @@
             </a:lvl9pPr>
           </a:lstStyle>
           <a:p>
-            <a:endParaRPr lang="en-US"/>
+            <a:endParaRPr lang="en-US" dirty="0"/>
           </a:p>
         </p:txBody>
       </p:sp>
@@ -3033,7 +3033,7 @@
               <a:rPr lang="en-US" smtClean="0"/>
               <a:t>4/19/2018</a:t>
             </a:fld>
-            <a:endParaRPr lang="en-US"/>
+            <a:endParaRPr lang="en-US" dirty="0"/>
           </a:p>
         </p:txBody>
       </p:sp>
@@ -3058,7 +3058,7 @@
           <a:bodyPr/>
           <a:lstStyle/>
           <a:p>
-            <a:endParaRPr lang="en-US"/>
+            <a:endParaRPr lang="en-US" dirty="0"/>
           </a:p>
         </p:txBody>
       </p:sp>
@@ -3087,7 +3087,7 @@
               <a:rPr lang="en-US" smtClean="0"/>
               <a:t>‹#›</a:t>
             </a:fld>
-            <a:endParaRPr lang="en-US"/>
+            <a:endParaRPr lang="en-US" dirty="0"/>
           </a:p>
         </p:txBody>
       </p:sp>
@@ -3274,7 +3274,7 @@
               <a:rPr lang="en-US" smtClean="0"/>
               <a:t>4/19/2018</a:t>
             </a:fld>
-            <a:endParaRPr lang="en-US"/>
+            <a:endParaRPr lang="en-US" dirty="0"/>
           </a:p>
         </p:txBody>
       </p:sp>
@@ -3317,7 +3317,7 @@
             </a:lvl1pPr>
           </a:lstStyle>
           <a:p>
-            <a:endParaRPr lang="en-US"/>
+            <a:endParaRPr lang="en-US" dirty="0"/>
           </a:p>
         </p:txBody>
       </p:sp>
@@ -3364,7 +3364,7 @@
               <a:rPr lang="en-US" smtClean="0"/>
               <a:t>‹#›</a:t>
             </a:fld>
-            <a:endParaRPr lang="en-US"/>
+            <a:endParaRPr lang="en-US" dirty="0"/>
           </a:p>
         </p:txBody>
       </p:sp>
@@ -3856,8 +3856,22 @@
           <a:lstStyle/>
           <a:p>
             <a:r>
+              <a:rPr lang="en-US" sz="3600" dirty="0"/>
+              <a:t>Implement attack from scratch</a:t>
+            </a:r>
+          </a:p>
+          <a:p>
+            <a:pPr lvl="1"/>
+            <a:r>
               <a:rPr lang="en-US" dirty="0"/>
-              <a:t>Attack implementation</a:t>
+              <a:t>Understand the details</a:t>
+            </a:r>
+          </a:p>
+          <a:p>
+            <a:pPr lvl="1"/>
+            <a:r>
+              <a:rPr lang="en-US" dirty="0"/>
+              <a:t>Set up environment for defense</a:t>
             </a:r>
           </a:p>
           <a:p>
@@ -3865,8 +3879,15 @@
           </a:p>
           <a:p>
             <a:r>
+              <a:rPr lang="en-US" sz="3600" dirty="0"/>
+              <a:t>Create useful visualization</a:t>
+            </a:r>
+          </a:p>
+          <a:p>
+            <a:pPr lvl="1"/>
+            <a:r>
               <a:rPr lang="en-US" dirty="0"/>
-              <a:t>Visualization – what’s going on under the hood?</a:t>
+              <a:t>What’s going on under the hood</a:t>
             </a:r>
           </a:p>
           <a:p>
@@ -3874,16 +3895,15 @@
           </a:p>
           <a:p>
             <a:r>
-              <a:rPr lang="en-US" dirty="0"/>
-              <a:t>Defense – </a:t>
-            </a:r>
+              <a:rPr lang="en-US" sz="3600" dirty="0"/>
+              <a:t>Implement a defense</a:t>
+            </a:r>
+          </a:p>
+          <a:p>
+            <a:pPr lvl="1"/>
             <a:r>
               <a:rPr lang="en-US" sz="1800" dirty="0"/>
-              <a:t>will it blend</a:t>
-            </a:r>
-            <a:r>
-              <a:rPr lang="en-US" dirty="0"/>
-              <a:t>?</a:t>
+              <a:t>Will it blend?</a:t>
             </a:r>
           </a:p>
         </p:txBody>
@@ -3999,7 +4019,7 @@
           <a:lstStyle/>
           <a:p>
             <a:pPr algn="ctr"/>
-            <a:endParaRPr lang="en-US"/>
+            <a:endParaRPr lang="en-US" dirty="0"/>
           </a:p>
         </p:txBody>
       </p:sp>
@@ -4123,7 +4143,7 @@
           <a:lstStyle/>
           <a:p>
             <a:pPr algn="ctr"/>
-            <a:endParaRPr lang="en-US"/>
+            <a:endParaRPr lang="en-US" dirty="0"/>
           </a:p>
         </p:txBody>
       </p:sp>
@@ -4174,7 +4194,7 @@
           </a:p>
           <a:p>
             <a:r>
-              <a:rPr lang="en-US" sz="3200" dirty="0" err="1">
+              <a:rPr lang="en-US" sz="3200" dirty="0">
                 <a:ln w="0"/>
                 <a:effectLst>
                   <a:outerShdw blurRad="38100" dist="19050" dir="2700000" algn="tl" rotWithShape="0">
@@ -4186,16 +4206,6 @@
               </a:rPr>
               <a:t>MitM</a:t>
             </a:r>
-            <a:endParaRPr lang="en-US" sz="3200" dirty="0">
-              <a:ln w="0"/>
-              <a:effectLst>
-                <a:outerShdw blurRad="38100" dist="19050" dir="2700000" algn="tl" rotWithShape="0">
-                  <a:schemeClr val="dk1">
-                    <a:alpha val="40000"/>
-                  </a:schemeClr>
-                </a:outerShdw>
-              </a:effectLst>
-            </a:endParaRPr>
           </a:p>
         </p:txBody>
       </p:sp>
@@ -4247,7 +4257,7 @@
           <a:lstStyle/>
           <a:p>
             <a:pPr algn="ctr"/>
-            <a:endParaRPr lang="en-US"/>
+            <a:endParaRPr lang="en-US" dirty="0"/>
           </a:p>
         </p:txBody>
       </p:sp>
@@ -4364,7 +4374,7 @@
           <a:lstStyle/>
           <a:p>
             <a:pPr algn="ctr"/>
-            <a:endParaRPr lang="en-US"/>
+            <a:endParaRPr lang="en-US" dirty="0"/>
           </a:p>
         </p:txBody>
       </p:sp>
@@ -4501,7 +4511,7 @@
           <a:lstStyle/>
           <a:p>
             <a:pPr algn="ctr"/>
-            <a:endParaRPr lang="en-US"/>
+            <a:endParaRPr lang="en-US" dirty="0"/>
           </a:p>
         </p:txBody>
       </p:sp>
@@ -4550,7 +4560,7 @@
           <a:lstStyle/>
           <a:p>
             <a:pPr algn="ctr"/>
-            <a:endParaRPr lang="en-US"/>
+            <a:endParaRPr lang="en-US" dirty="0"/>
           </a:p>
         </p:txBody>
       </p:sp>
@@ -4599,7 +4609,7 @@
           <a:lstStyle/>
           <a:p>
             <a:pPr algn="ctr"/>
-            <a:endParaRPr lang="en-US"/>
+            <a:endParaRPr lang="en-US" dirty="0"/>
           </a:p>
         </p:txBody>
       </p:sp>
@@ -4648,7 +4658,7 @@
           <a:lstStyle/>
           <a:p>
             <a:pPr algn="ctr"/>
-            <a:endParaRPr lang="en-US"/>
+            <a:endParaRPr lang="en-US" dirty="0"/>
           </a:p>
         </p:txBody>
       </p:sp>
@@ -4889,7 +4899,7 @@
           <a:lstStyle/>
           <a:p>
             <a:pPr algn="ctr"/>
-            <a:endParaRPr lang="en-US"/>
+            <a:endParaRPr lang="en-US" dirty="0"/>
           </a:p>
         </p:txBody>
       </p:sp>
@@ -4986,7 +4996,7 @@
           <a:lstStyle/>
           <a:p>
             <a:pPr algn="ctr"/>
-            <a:endParaRPr lang="en-US"/>
+            <a:endParaRPr lang="en-US" dirty="0"/>
           </a:p>
         </p:txBody>
       </p:sp>
@@ -5342,15 +5352,7 @@
           <a:p>
             <a:r>
               <a:rPr lang="en-US" dirty="0"/>
-              <a:t>SSLv3 </a:t>
-            </a:r>
-            <a:r>
-              <a:rPr lang="en-US" dirty="0" err="1"/>
-              <a:t>HMAC</a:t>
-            </a:r>
-            <a:r>
-              <a:rPr lang="en-US" dirty="0"/>
-              <a:t> does not include the padding, only PT message</a:t>
+              <a:t>SSLv3 HMAC does not include the padding, only PT message</a:t>
             </a:r>
           </a:p>
           <a:p>
@@ -5367,23 +5369,19 @@
               <a:buNone/>
             </a:pPr>
             <a:r>
-              <a:rPr lang="en-US" dirty="0" err="1"/>
+              <a:rPr lang="en-US" dirty="0"/>
               <a:t>E</a:t>
             </a:r>
             <a:r>
-              <a:rPr lang="en-US" baseline="-25000" dirty="0" err="1"/>
+              <a:rPr lang="en-US" baseline="-25000" dirty="0"/>
               <a:t>CBC</a:t>
             </a:r>
             <a:r>
               <a:rPr lang="en-US" dirty="0"/>
-              <a:t>[</a:t>
-            </a:r>
-            <a:r>
-              <a:rPr lang="en-US" dirty="0" err="1"/>
-              <a:t>K</a:t>
-            </a:r>
-            <a:r>
-              <a:rPr lang="en-US" baseline="-25000" dirty="0" err="1"/>
+              <a:t>[K</a:t>
+            </a:r>
+            <a:r>
+              <a:rPr lang="en-US" baseline="-25000" dirty="0"/>
               <a:t>sess</a:t>
             </a:r>
             <a:r>
@@ -5884,7 +5882,7 @@
         <p:spPr>
           <a:xfrm>
             <a:off x="7019320" y="1165735"/>
-            <a:ext cx="4702779" cy="4247317"/>
+            <a:ext cx="4702779" cy="4801314"/>
           </a:xfrm>
           <a:prstGeom prst="rect">
             <a:avLst/>
@@ -5900,6 +5898,73 @@
             <a:spAutoFit/>
           </a:bodyPr>
           <a:lstStyle/>
+          <a:p>
+            <a:pPr>
+              <a:tabLst>
+                <a:tab pos="285750" algn="l"/>
+              </a:tabLst>
+            </a:pPr>
+            <a:r>
+              <a:rPr lang="en-US" sz="2000" b="1" dirty="0">
+                <a:latin typeface="Calibri" panose="020F0502020204030204" pitchFamily="34" charset="0"/>
+                <a:ea typeface="Calibri" panose="020F0502020204030204" pitchFamily="34" charset="0"/>
+                <a:cs typeface="Times New Roman" panose="02020603050405020304" pitchFamily="18" charset="0"/>
+              </a:rPr>
+              <a:t>Attacker Manipulation of C</a:t>
+            </a:r>
+            <a:r>
+              <a:rPr lang="en-US" sz="2000" b="1" baseline="-25000" dirty="0">
+                <a:latin typeface="Calibri" panose="020F0502020204030204" pitchFamily="34" charset="0"/>
+                <a:ea typeface="Calibri" panose="020F0502020204030204" pitchFamily="34" charset="0"/>
+                <a:cs typeface="Times New Roman" panose="02020603050405020304" pitchFamily="18" charset="0"/>
+              </a:rPr>
+              <a:t>0</a:t>
+            </a:r>
+            <a:r>
+              <a:rPr lang="en-US" sz="2000" b="1" dirty="0">
+                <a:latin typeface="Calibri" panose="020F0502020204030204" pitchFamily="34" charset="0"/>
+                <a:ea typeface="Calibri" panose="020F0502020204030204" pitchFamily="34" charset="0"/>
+                <a:cs typeface="Times New Roman" panose="02020603050405020304" pitchFamily="18" charset="0"/>
+              </a:rPr>
+              <a:t>||C</a:t>
+            </a:r>
+            <a:r>
+              <a:rPr lang="en-US" sz="2000" b="1" baseline="-25000" dirty="0">
+                <a:latin typeface="Calibri" panose="020F0502020204030204" pitchFamily="34" charset="0"/>
+                <a:ea typeface="Calibri" panose="020F0502020204030204" pitchFamily="34" charset="0"/>
+                <a:cs typeface="Times New Roman" panose="02020603050405020304" pitchFamily="18" charset="0"/>
+              </a:rPr>
+              <a:t>1</a:t>
+            </a:r>
+            <a:r>
+              <a:rPr lang="en-US" sz="2000" b="1" dirty="0">
+                <a:latin typeface="Calibri" panose="020F0502020204030204" pitchFamily="34" charset="0"/>
+                <a:ea typeface="Calibri" panose="020F0502020204030204" pitchFamily="34" charset="0"/>
+                <a:cs typeface="Times New Roman" panose="02020603050405020304" pitchFamily="18" charset="0"/>
+              </a:rPr>
+              <a:t>||…||C</a:t>
+            </a:r>
+            <a:r>
+              <a:rPr lang="en-US" sz="2000" b="1" baseline="-25000" dirty="0">
+                <a:latin typeface="Calibri" panose="020F0502020204030204" pitchFamily="34" charset="0"/>
+                <a:ea typeface="Calibri" panose="020F0502020204030204" pitchFamily="34" charset="0"/>
+                <a:cs typeface="Times New Roman" panose="02020603050405020304" pitchFamily="18" charset="0"/>
+              </a:rPr>
+              <a:t>n</a:t>
+            </a:r>
+          </a:p>
+          <a:p>
+            <a:pPr>
+              <a:tabLst>
+                <a:tab pos="285750" algn="l"/>
+              </a:tabLst>
+            </a:pPr>
+            <a:endParaRPr lang="en-US" dirty="0">
+              <a:latin typeface="Calibri" panose="020F0502020204030204" pitchFamily="34" charset="0"/>
+              <a:ea typeface="Calibri" panose="020F0502020204030204" pitchFamily="34" charset="0"/>
+              <a:cs typeface="Times New Roman" panose="02020603050405020304" pitchFamily="18" charset="0"/>
+            </a:endParaRPr>
+          </a:p>
           <a:p>
             <a:pPr>
               <a:tabLst>
@@ -6995,7 +7060,7 @@
           <a:p>
             <a:pPr algn="ctr"/>
             <a:r>
-              <a:rPr lang="en-US" i="1" dirty="0" err="1">
+              <a:rPr lang="en-US" i="1" dirty="0">
                 <a:solidFill>
                   <a:schemeClr val="tx1"/>
                 </a:solidFill>
@@ -7003,7 +7068,7 @@
               <a:t>D</a:t>
             </a:r>
             <a:r>
-              <a:rPr lang="en-US" sz="1400" i="1" dirty="0" err="1">
+              <a:rPr lang="en-US" sz="1400" i="1" dirty="0">
                 <a:solidFill>
                   <a:schemeClr val="tx1"/>
                 </a:solidFill>
@@ -7620,7 +7685,7 @@
           <a:p>
             <a:pPr algn="ctr"/>
             <a:r>
-              <a:rPr lang="en-US" i="1" dirty="0" err="1">
+              <a:rPr lang="en-US" i="1" dirty="0">
                 <a:solidFill>
                   <a:schemeClr val="tx1"/>
                 </a:solidFill>
@@ -7628,7 +7693,7 @@
               <a:t>D</a:t>
             </a:r>
             <a:r>
-              <a:rPr lang="en-US" sz="1400" i="1" dirty="0" err="1">
+              <a:rPr lang="en-US" sz="1400" i="1" dirty="0">
                 <a:solidFill>
                   <a:schemeClr val="tx1"/>
                 </a:solidFill>
@@ -7746,7 +7811,7 @@
           <a:lstStyle/>
           <a:p>
             <a:pPr algn="ctr"/>
-            <a:endParaRPr lang="en-US"/>
+            <a:endParaRPr lang="en-US" dirty="0"/>
           </a:p>
         </p:txBody>
       </p:sp>
@@ -7798,7 +7863,7 @@
           <a:lstStyle/>
           <a:p>
             <a:pPr algn="ctr"/>
-            <a:endParaRPr lang="en-US"/>
+            <a:endParaRPr lang="en-US" dirty="0"/>
           </a:p>
         </p:txBody>
       </p:sp>
@@ -7850,7 +7915,7 @@
           <a:lstStyle/>
           <a:p>
             <a:pPr algn="ctr"/>
-            <a:endParaRPr lang="en-US"/>
+            <a:endParaRPr lang="en-US" dirty="0"/>
           </a:p>
         </p:txBody>
       </p:sp>
@@ -7896,7 +7961,7 @@
           <a:lstStyle/>
           <a:p>
             <a:pPr algn="ctr"/>
-            <a:endParaRPr lang="en-US"/>
+            <a:endParaRPr lang="en-US" dirty="0"/>
           </a:p>
         </p:txBody>
       </p:sp>
@@ -8277,15 +8342,7 @@
           <a:p>
             <a:r>
               <a:rPr lang="en-US" dirty="0"/>
-              <a:t>Both records are then independently </a:t>
-            </a:r>
-            <a:r>
-              <a:rPr lang="en-US" dirty="0" err="1"/>
-              <a:t>MAC’d</a:t>
-            </a:r>
-            <a:r>
-              <a:rPr lang="en-US" dirty="0"/>
-              <a:t>, padded, and encrypted</a:t>
+              <a:t>Both records are then independently MAC’d, padded, and encrypted</a:t>
             </a:r>
           </a:p>
           <a:p>
